--- a/web/g25/status/Status5.pptx
+++ b/web/g25/status/Status5.pptx
@@ -5810,15 +5810,23 @@
                   <a:srgbClr val="A50021"/>
                 </a:solidFill>
               </a:rPr>
-              <a:t>I Quiz 4 var jeres gennemsnitlige vurdering af pensummets sværhedsgrad </a:t>
-            </a:r>
-            <a:r>
-              <a:rPr lang="da-DK" altLang="da-DK" sz="1800" b="1" spc="-80" dirty="0" smtClean="0">
+              <a:t>I Quiz 4 var jeres gennemsnitlige vurdering af pensummets </a:t>
+            </a:r>
+            <a:r>
+              <a:rPr lang="da-DK" altLang="da-DK" sz="1800" b="1" spc="-80" smtClean="0">
                 <a:solidFill>
                   <a:srgbClr val="A50021"/>
                 </a:solidFill>
               </a:rPr>
-              <a:t>3,20</a:t>
+              <a:t>sværhedsgrad </a:t>
+            </a:r>
+            <a:r>
+              <a:rPr lang="da-DK" altLang="da-DK" sz="1800" b="1" spc="-80" smtClean="0">
+                <a:solidFill>
+                  <a:srgbClr val="A50021"/>
+                </a:solidFill>
+              </a:rPr>
+              <a:t>3,06</a:t>
             </a:r>
             <a:endParaRPr lang="da-DK" altLang="da-DK" sz="1800" b="1" spc="-80" dirty="0" smtClean="0">
               <a:solidFill>
@@ -5928,15 +5936,7 @@
             </a:pPr>
             <a:r>
               <a:rPr lang="da-DK" altLang="da-DK" sz="1600" dirty="0" smtClean="0"/>
-              <a:t>I brugte </a:t>
-            </a:r>
-            <a:r>
-              <a:rPr lang="da-DK" altLang="da-DK" sz="1600" dirty="0" smtClean="0"/>
-              <a:t>1,47 </a:t>
-            </a:r>
-            <a:r>
-              <a:rPr lang="da-DK" altLang="da-DK" sz="1600" dirty="0" smtClean="0"/>
-              <a:t>forsøg pr spørgsmål (mod 1,43 i foråret 2024)</a:t>
+              <a:t>I brugte 1,47 forsøg pr spørgsmål (mod 1,43 i foråret 2024)</a:t>
             </a:r>
           </a:p>
           <a:p>
